--- a/Sprint2/Diagrama de Solução de Software - MOCA.pptx
+++ b/Sprint2/Diagrama de Solução de Software - MOCA.pptx
@@ -5,16 +5,15 @@
     <p:sldMasterId id="2147483648" r:id="rId4"/>
   </p:sldMasterIdLst>
   <p:notesMasterIdLst>
-    <p:notesMasterId r:id="rId12"/>
+    <p:notesMasterId r:id="rId11"/>
   </p:notesMasterIdLst>
   <p:sldIdLst>
     <p:sldId id="257" r:id="rId5"/>
     <p:sldId id="258" r:id="rId6"/>
     <p:sldId id="1210" r:id="rId7"/>
-    <p:sldId id="1212" r:id="rId8"/>
-    <p:sldId id="1214" r:id="rId9"/>
-    <p:sldId id="1216" r:id="rId10"/>
-    <p:sldId id="272" r:id="rId11"/>
+    <p:sldId id="1214" r:id="rId8"/>
+    <p:sldId id="1216" r:id="rId9"/>
+    <p:sldId id="272" r:id="rId10"/>
   </p:sldIdLst>
   <p:sldSz cx="12192000" cy="6858000"/>
   <p:notesSz cx="6858000" cy="9144000"/>
@@ -121,12 +120,25 @@
 </p:presentation>
 </file>
 
-<file path=ppt/revisionInfo.xml><?xml version="1.0" encoding="utf-8"?>
-<p1510:revInfo xmlns:a="http://schemas.openxmlformats.org/drawingml/2006/main" xmlns:r="http://schemas.openxmlformats.org/officeDocument/2006/relationships" xmlns:p1510="http://schemas.microsoft.com/office/powerpoint/2015/10/main">
-  <p1510:revLst>
-    <p1510:client id="{4160C36C-26D4-43B7-98D6-9B7C7F121803}" v="16" dt="2023-04-10T23:37:21.871"/>
-  </p1510:revLst>
-</p1510:revInfo>
+<file path=ppt/changesInfos/changesInfo1.xml><?xml version="1.0" encoding="utf-8"?>
+<pc:chgInfo xmlns:a="http://schemas.openxmlformats.org/drawingml/2006/main" xmlns:r="http://schemas.openxmlformats.org/officeDocument/2006/relationships" xmlns:ac="http://schemas.microsoft.com/office/drawing/2013/main/command" xmlns:pc="http://schemas.microsoft.com/office/powerpoint/2013/main/command">
+  <pc:docChgLst>
+    <pc:chgData name="Raul Meira de Souza" userId="0b810766-76aa-4ac6-b01e-c80b8c896654" providerId="ADAL" clId="{ADC36DD9-CB54-43FE-9625-B372A7B87E71}"/>
+    <pc:docChg chg="delSld">
+      <pc:chgData name="Raul Meira de Souza" userId="0b810766-76aa-4ac6-b01e-c80b8c896654" providerId="ADAL" clId="{ADC36DD9-CB54-43FE-9625-B372A7B87E71}" dt="2023-04-22T00:05:46.942" v="0" actId="47"/>
+      <pc:docMkLst>
+        <pc:docMk/>
+      </pc:docMkLst>
+      <pc:sldChg chg="del">
+        <pc:chgData name="Raul Meira de Souza" userId="0b810766-76aa-4ac6-b01e-c80b8c896654" providerId="ADAL" clId="{ADC36DD9-CB54-43FE-9625-B372A7B87E71}" dt="2023-04-22T00:05:46.942" v="0" actId="47"/>
+        <pc:sldMkLst>
+          <pc:docMk/>
+          <pc:sldMk cId="3840735795" sldId="1212"/>
+        </pc:sldMkLst>
+      </pc:sldChg>
+    </pc:docChg>
+  </pc:docChgLst>
+</pc:chgInfo>
 </file>
 
 <file path=ppt/notesMasters/notesMaster1.xml><?xml version="1.0" encoding="utf-8"?>
@@ -211,7 +223,7 @@
           <a:p>
             <a:fld id="{8AC79F10-E06E-4CE2-A9B4-B99BB230B28A}" type="datetimeFigureOut">
               <a:rPr lang="pt-BR" smtClean="0"/>
-              <a:t>10/04/2023</a:t>
+              <a:t>21/04/2023</a:t>
             </a:fld>
             <a:endParaRPr lang="pt-BR"/>
           </a:p>
@@ -722,7 +734,7 @@
     </p:spTree>
     <p:extLst>
       <p:ext uri="{BB962C8B-B14F-4D97-AF65-F5344CB8AC3E}">
-        <p14:creationId xmlns:p14="http://schemas.microsoft.com/office/powerpoint/2010/main" val="1480544400"/>
+        <p14:creationId xmlns:p14="http://schemas.microsoft.com/office/powerpoint/2010/main" val="1385744946"/>
       </p:ext>
     </p:extLst>
   </p:cSld>
@@ -799,91 +811,6 @@
               <a:rPr lang="pt-BR" smtClean="0"/>
               <a:pPr/>
               <a:t>5</a:t>
-            </a:fld>
-            <a:endParaRPr lang="pt-BR"/>
-          </a:p>
-        </p:txBody>
-      </p:sp>
-    </p:spTree>
-    <p:extLst>
-      <p:ext uri="{BB962C8B-B14F-4D97-AF65-F5344CB8AC3E}">
-        <p14:creationId xmlns:p14="http://schemas.microsoft.com/office/powerpoint/2010/main" val="1385744946"/>
-      </p:ext>
-    </p:extLst>
-  </p:cSld>
-  <p:clrMapOvr>
-    <a:masterClrMapping/>
-  </p:clrMapOvr>
-</p:notes>
-</file>
-
-<file path=ppt/notesSlides/notesSlide5.xml><?xml version="1.0" encoding="utf-8"?>
-<p:notes xmlns:a="http://schemas.openxmlformats.org/drawingml/2006/main" xmlns:r="http://schemas.openxmlformats.org/officeDocument/2006/relationships" xmlns:p="http://schemas.openxmlformats.org/presentationml/2006/main">
-  <p:cSld>
-    <p:spTree>
-      <p:nvGrpSpPr>
-        <p:cNvPr id="1" name=""/>
-        <p:cNvGrpSpPr/>
-        <p:nvPr/>
-      </p:nvGrpSpPr>
-      <p:grpSpPr>
-        <a:xfrm>
-          <a:off x="0" y="0"/>
-          <a:ext cx="0" cy="0"/>
-          <a:chOff x="0" y="0"/>
-          <a:chExt cx="0" cy="0"/>
-        </a:xfrm>
-      </p:grpSpPr>
-      <p:sp>
-        <p:nvSpPr>
-          <p:cNvPr id="2" name="Slide Image Placeholder 1"/>
-          <p:cNvSpPr>
-            <a:spLocks noGrp="1" noRot="1" noChangeAspect="1"/>
-          </p:cNvSpPr>
-          <p:nvPr>
-            <p:ph type="sldImg"/>
-          </p:nvPr>
-        </p:nvSpPr>
-        <p:spPr/>
-      </p:sp>
-      <p:sp>
-        <p:nvSpPr>
-          <p:cNvPr id="3" name="Notes Placeholder 2"/>
-          <p:cNvSpPr>
-            <a:spLocks noGrp="1"/>
-          </p:cNvSpPr>
-          <p:nvPr>
-            <p:ph type="body" idx="1"/>
-          </p:nvPr>
-        </p:nvSpPr>
-        <p:spPr/>
-        <p:txBody>
-          <a:bodyPr/>
-          <a:lstStyle/>
-          <a:p>
-            <a:endParaRPr lang="pt-BR"/>
-          </a:p>
-        </p:txBody>
-      </p:sp>
-      <p:sp>
-        <p:nvSpPr>
-          <p:cNvPr id="4" name="Slide Number Placeholder 3"/>
-          <p:cNvSpPr>
-            <a:spLocks noGrp="1"/>
-          </p:cNvSpPr>
-          <p:nvPr>
-            <p:ph type="sldNum" sz="quarter" idx="5"/>
-          </p:nvPr>
-        </p:nvSpPr>
-        <p:spPr/>
-        <p:txBody>
-          <a:bodyPr/>
-          <a:lstStyle/>
-          <a:p>
-            <a:fld id="{75B3645A-D0AE-4F6E-A17E-E0036A9041AF}" type="slidenum">
-              <a:rPr lang="pt-BR" smtClean="0"/>
-              <a:pPr/>
-              <a:t>6</a:t>
             </a:fld>
             <a:endParaRPr lang="pt-BR"/>
           </a:p>
@@ -11432,437 +11359,6 @@
 </file>
 
 <file path=ppt/slides/slide4.xml><?xml version="1.0" encoding="utf-8"?>
-<p:sld xmlns:a="http://schemas.openxmlformats.org/drawingml/2006/main" xmlns:r="http://schemas.openxmlformats.org/officeDocument/2006/relationships" xmlns:p="http://schemas.openxmlformats.org/presentationml/2006/main" show="0">
-  <p:cSld>
-    <p:spTree>
-      <p:nvGrpSpPr>
-        <p:cNvPr id="1" name=""/>
-        <p:cNvGrpSpPr/>
-        <p:nvPr/>
-      </p:nvGrpSpPr>
-      <p:grpSpPr>
-        <a:xfrm>
-          <a:off x="0" y="0"/>
-          <a:ext cx="0" cy="0"/>
-          <a:chOff x="0" y="0"/>
-          <a:chExt cx="0" cy="0"/>
-        </a:xfrm>
-      </p:grpSpPr>
-      <p:sp>
-        <p:nvSpPr>
-          <p:cNvPr id="4" name="Espaço Reservado para Texto 3"/>
-          <p:cNvSpPr>
-            <a:spLocks noGrp="1"/>
-          </p:cNvSpPr>
-          <p:nvPr>
-            <p:ph type="body" sz="quarter" idx="4294967295"/>
-          </p:nvPr>
-        </p:nvSpPr>
-        <p:spPr>
-          <a:xfrm>
-            <a:off x="520375" y="371748"/>
-            <a:ext cx="10858825" cy="693738"/>
-          </a:xfrm>
-          <a:prstGeom prst="rect">
-            <a:avLst/>
-          </a:prstGeom>
-        </p:spPr>
-        <p:txBody>
-          <a:bodyPr/>
-          <a:lstStyle/>
-          <a:p>
-            <a:pPr marL="0" indent="0">
-              <a:buNone/>
-            </a:pPr>
-            <a:r>
-              <a:rPr lang="pt-BR" sz="3265" dirty="0"/>
-              <a:t>Passo a passo – Desenho de Arquitetura (Entregável de PI)</a:t>
-            </a:r>
-          </a:p>
-        </p:txBody>
-      </p:sp>
-      <p:sp>
-        <p:nvSpPr>
-          <p:cNvPr id="2" name="Espaço Reservado para Texto 1">
-            <a:extLst>
-              <a:ext uri="{FF2B5EF4-FFF2-40B4-BE49-F238E27FC236}">
-                <a16:creationId xmlns:a16="http://schemas.microsoft.com/office/drawing/2014/main" id="{5EE07588-0699-6621-695B-42FD7D28F7BF}"/>
-              </a:ext>
-            </a:extLst>
-          </p:cNvPr>
-          <p:cNvSpPr txBox="1">
-            <a:spLocks/>
-          </p:cNvSpPr>
-          <p:nvPr/>
-        </p:nvSpPr>
-        <p:spPr>
-          <a:xfrm>
-            <a:off x="520375" y="1161154"/>
-            <a:ext cx="11350948" cy="5355587"/>
-          </a:xfrm>
-          <a:prstGeom prst="rect">
-            <a:avLst/>
-          </a:prstGeom>
-        </p:spPr>
-        <p:txBody>
-          <a:bodyPr/>
-          <a:lstStyle>
-            <a:lvl1pPr marL="228600" indent="-228600" algn="l" defTabSz="914400" rtl="0" eaLnBrk="1" latinLnBrk="0" hangingPunct="1">
-              <a:lnSpc>
-                <a:spcPct val="90000"/>
-              </a:lnSpc>
-              <a:spcBef>
-                <a:spcPts val="1000"/>
-              </a:spcBef>
-              <a:buFont typeface="Arial" panose="020B0604020202020204" pitchFamily="34" charset="0"/>
-              <a:buChar char="•"/>
-              <a:defRPr sz="2800" kern="1200">
-                <a:solidFill>
-                  <a:schemeClr val="tx1"/>
-                </a:solidFill>
-                <a:latin typeface="+mn-lt"/>
-                <a:ea typeface="+mn-ea"/>
-                <a:cs typeface="+mn-cs"/>
-              </a:defRPr>
-            </a:lvl1pPr>
-            <a:lvl2pPr marL="685800" indent="-228600" algn="l" defTabSz="914400" rtl="0" eaLnBrk="1" latinLnBrk="0" hangingPunct="1">
-              <a:lnSpc>
-                <a:spcPct val="90000"/>
-              </a:lnSpc>
-              <a:spcBef>
-                <a:spcPts val="500"/>
-              </a:spcBef>
-              <a:buFont typeface="Arial" panose="020B0604020202020204" pitchFamily="34" charset="0"/>
-              <a:buChar char="•"/>
-              <a:defRPr sz="2400" kern="1200">
-                <a:solidFill>
-                  <a:schemeClr val="tx1"/>
-                </a:solidFill>
-                <a:latin typeface="+mn-lt"/>
-                <a:ea typeface="+mn-ea"/>
-                <a:cs typeface="+mn-cs"/>
-              </a:defRPr>
-            </a:lvl2pPr>
-            <a:lvl3pPr marL="1143000" indent="-228600" algn="l" defTabSz="914400" rtl="0" eaLnBrk="1" latinLnBrk="0" hangingPunct="1">
-              <a:lnSpc>
-                <a:spcPct val="90000"/>
-              </a:lnSpc>
-              <a:spcBef>
-                <a:spcPts val="500"/>
-              </a:spcBef>
-              <a:buFont typeface="Arial" panose="020B0604020202020204" pitchFamily="34" charset="0"/>
-              <a:buChar char="•"/>
-              <a:defRPr sz="2000" kern="1200">
-                <a:solidFill>
-                  <a:schemeClr val="tx1"/>
-                </a:solidFill>
-                <a:latin typeface="+mn-lt"/>
-                <a:ea typeface="+mn-ea"/>
-                <a:cs typeface="+mn-cs"/>
-              </a:defRPr>
-            </a:lvl3pPr>
-            <a:lvl4pPr marL="1600200" indent="-228600" algn="l" defTabSz="914400" rtl="0" eaLnBrk="1" latinLnBrk="0" hangingPunct="1">
-              <a:lnSpc>
-                <a:spcPct val="90000"/>
-              </a:lnSpc>
-              <a:spcBef>
-                <a:spcPts val="500"/>
-              </a:spcBef>
-              <a:buFont typeface="Arial" panose="020B0604020202020204" pitchFamily="34" charset="0"/>
-              <a:buChar char="•"/>
-              <a:defRPr sz="1800" kern="1200">
-                <a:solidFill>
-                  <a:schemeClr val="tx1"/>
-                </a:solidFill>
-                <a:latin typeface="+mn-lt"/>
-                <a:ea typeface="+mn-ea"/>
-                <a:cs typeface="+mn-cs"/>
-              </a:defRPr>
-            </a:lvl4pPr>
-            <a:lvl5pPr marL="2057400" indent="-228600" algn="l" defTabSz="914400" rtl="0" eaLnBrk="1" latinLnBrk="0" hangingPunct="1">
-              <a:lnSpc>
-                <a:spcPct val="90000"/>
-              </a:lnSpc>
-              <a:spcBef>
-                <a:spcPts val="500"/>
-              </a:spcBef>
-              <a:buFont typeface="Arial" panose="020B0604020202020204" pitchFamily="34" charset="0"/>
-              <a:buChar char="•"/>
-              <a:defRPr sz="1800" kern="1200">
-                <a:solidFill>
-                  <a:schemeClr val="tx1"/>
-                </a:solidFill>
-                <a:latin typeface="+mn-lt"/>
-                <a:ea typeface="+mn-ea"/>
-                <a:cs typeface="+mn-cs"/>
-              </a:defRPr>
-            </a:lvl5pPr>
-            <a:lvl6pPr marL="2514600" indent="-228600" algn="l" defTabSz="914400" rtl="0" eaLnBrk="1" latinLnBrk="0" hangingPunct="1">
-              <a:lnSpc>
-                <a:spcPct val="90000"/>
-              </a:lnSpc>
-              <a:spcBef>
-                <a:spcPts val="500"/>
-              </a:spcBef>
-              <a:buFont typeface="Arial" panose="020B0604020202020204" pitchFamily="34" charset="0"/>
-              <a:buChar char="•"/>
-              <a:defRPr sz="1800" kern="1200">
-                <a:solidFill>
-                  <a:schemeClr val="tx1"/>
-                </a:solidFill>
-                <a:latin typeface="+mn-lt"/>
-                <a:ea typeface="+mn-ea"/>
-                <a:cs typeface="+mn-cs"/>
-              </a:defRPr>
-            </a:lvl6pPr>
-            <a:lvl7pPr marL="2971800" indent="-228600" algn="l" defTabSz="914400" rtl="0" eaLnBrk="1" latinLnBrk="0" hangingPunct="1">
-              <a:lnSpc>
-                <a:spcPct val="90000"/>
-              </a:lnSpc>
-              <a:spcBef>
-                <a:spcPts val="500"/>
-              </a:spcBef>
-              <a:buFont typeface="Arial" panose="020B0604020202020204" pitchFamily="34" charset="0"/>
-              <a:buChar char="•"/>
-              <a:defRPr sz="1800" kern="1200">
-                <a:solidFill>
-                  <a:schemeClr val="tx1"/>
-                </a:solidFill>
-                <a:latin typeface="+mn-lt"/>
-                <a:ea typeface="+mn-ea"/>
-                <a:cs typeface="+mn-cs"/>
-              </a:defRPr>
-            </a:lvl7pPr>
-            <a:lvl8pPr marL="3429000" indent="-228600" algn="l" defTabSz="914400" rtl="0" eaLnBrk="1" latinLnBrk="0" hangingPunct="1">
-              <a:lnSpc>
-                <a:spcPct val="90000"/>
-              </a:lnSpc>
-              <a:spcBef>
-                <a:spcPts val="500"/>
-              </a:spcBef>
-              <a:buFont typeface="Arial" panose="020B0604020202020204" pitchFamily="34" charset="0"/>
-              <a:buChar char="•"/>
-              <a:defRPr sz="1800" kern="1200">
-                <a:solidFill>
-                  <a:schemeClr val="tx1"/>
-                </a:solidFill>
-                <a:latin typeface="+mn-lt"/>
-                <a:ea typeface="+mn-ea"/>
-                <a:cs typeface="+mn-cs"/>
-              </a:defRPr>
-            </a:lvl8pPr>
-            <a:lvl9pPr marL="3886200" indent="-228600" algn="l" defTabSz="914400" rtl="0" eaLnBrk="1" latinLnBrk="0" hangingPunct="1">
-              <a:lnSpc>
-                <a:spcPct val="90000"/>
-              </a:lnSpc>
-              <a:spcBef>
-                <a:spcPts val="500"/>
-              </a:spcBef>
-              <a:buFont typeface="Arial" panose="020B0604020202020204" pitchFamily="34" charset="0"/>
-              <a:buChar char="•"/>
-              <a:defRPr sz="1800" kern="1200">
-                <a:solidFill>
-                  <a:schemeClr val="tx1"/>
-                </a:solidFill>
-                <a:latin typeface="+mn-lt"/>
-                <a:ea typeface="+mn-ea"/>
-                <a:cs typeface="+mn-cs"/>
-              </a:defRPr>
-            </a:lvl9pPr>
-          </a:lstStyle>
-          <a:p>
-            <a:pPr marL="414635" indent="-414635">
-              <a:buFont typeface="+mj-lt"/>
-              <a:buAutoNum type="arabicPeriod"/>
-            </a:pPr>
-            <a:r>
-              <a:rPr lang="pt-BR" sz="2539" dirty="0"/>
-              <a:t>Identificar os Objetivos das Arquitetura</a:t>
-            </a:r>
-          </a:p>
-          <a:p>
-            <a:pPr marL="414635" indent="-414635">
-              <a:buFont typeface="+mj-lt"/>
-              <a:buAutoNum type="arabicPeriod"/>
-            </a:pPr>
-            <a:r>
-              <a:rPr lang="pt-BR" sz="2539" dirty="0"/>
-              <a:t>Cenários Chave</a:t>
-            </a:r>
-          </a:p>
-          <a:p>
-            <a:pPr marL="935895" lvl="1" indent="-414635">
-              <a:buFont typeface="+mj-lt"/>
-              <a:buAutoNum type="arabicPeriod"/>
-            </a:pPr>
-            <a:r>
-              <a:rPr lang="pt-BR" sz="1814" dirty="0"/>
-              <a:t>O que é crítico para o negócio?</a:t>
-            </a:r>
-          </a:p>
-          <a:p>
-            <a:pPr marL="935895" lvl="1" indent="-414635">
-              <a:buFont typeface="+mj-lt"/>
-              <a:buAutoNum type="arabicPeriod"/>
-            </a:pPr>
-            <a:r>
-              <a:rPr lang="pt-BR" sz="1814" dirty="0"/>
-              <a:t>O que gera alto impacto?</a:t>
-            </a:r>
-          </a:p>
-          <a:p>
-            <a:pPr marL="414635" indent="-414635">
-              <a:buFont typeface="+mj-lt"/>
-              <a:buAutoNum type="arabicPeriod"/>
-            </a:pPr>
-            <a:r>
-              <a:rPr lang="pt-BR" sz="2539" dirty="0"/>
-              <a:t>Fazer a visão global (overview) da Aplicação</a:t>
-            </a:r>
-          </a:p>
-          <a:p>
-            <a:pPr marL="935895" lvl="1" indent="-414635">
-              <a:buFont typeface="+mj-lt"/>
-              <a:buAutoNum type="arabicPeriod"/>
-            </a:pPr>
-            <a:r>
-              <a:rPr lang="pt-BR" sz="1814" dirty="0"/>
-              <a:t>Determinar o tipo da sua aplicação (WEB, Mobile, </a:t>
-            </a:r>
-            <a:r>
-              <a:rPr lang="pt-BR" sz="1814" dirty="0" err="1"/>
-              <a:t>etc</a:t>
-            </a:r>
-            <a:r>
-              <a:rPr lang="pt-BR" sz="1814" dirty="0"/>
-              <a:t>)</a:t>
-            </a:r>
-          </a:p>
-          <a:p>
-            <a:pPr marL="935895" lvl="1" indent="-414635">
-              <a:buFont typeface="+mj-lt"/>
-              <a:buAutoNum type="arabicPeriod"/>
-            </a:pPr>
-            <a:r>
-              <a:rPr lang="pt-BR" sz="1814" dirty="0"/>
-              <a:t>Identificar as restrições no desenvolvimento (Rede, Segurança, Sistema Operacional)</a:t>
-            </a:r>
-          </a:p>
-          <a:p>
-            <a:pPr marL="935895" lvl="1" indent="-414635">
-              <a:buFont typeface="+mj-lt"/>
-              <a:buAutoNum type="arabicPeriod"/>
-            </a:pPr>
-            <a:r>
-              <a:rPr lang="pt-BR" sz="1814" dirty="0"/>
-              <a:t>Identificar estilos importantes de arquitetura (Camadas, SOA) – Vamos ver mais a frente.</a:t>
-            </a:r>
-          </a:p>
-          <a:p>
-            <a:pPr marL="935895" lvl="1" indent="-414635">
-              <a:buFont typeface="+mj-lt"/>
-              <a:buAutoNum type="arabicPeriod"/>
-            </a:pPr>
-            <a:r>
-              <a:rPr lang="pt-BR" sz="1814" dirty="0"/>
-              <a:t>Determinar as tecnologias relevantes (Spring, Node.JS)</a:t>
-            </a:r>
-          </a:p>
-          <a:p>
-            <a:pPr marL="479793" indent="-414635">
-              <a:buFont typeface="+mj-lt"/>
-              <a:buAutoNum type="arabicPeriod"/>
-            </a:pPr>
-            <a:r>
-              <a:rPr lang="pt-BR" sz="2539" dirty="0"/>
-              <a:t>Desenhar no slide utilizando os modelos de contêineres disponíveis.</a:t>
-            </a:r>
-          </a:p>
-          <a:p>
-            <a:pPr marL="479793" indent="-414635">
-              <a:buFont typeface="+mj-lt"/>
-              <a:buAutoNum type="arabicPeriod"/>
-            </a:pPr>
-            <a:r>
-              <a:rPr lang="pt-BR" sz="2539" dirty="0"/>
-              <a:t>Identificar os assuntos chaves (Key </a:t>
-            </a:r>
-            <a:r>
-              <a:rPr lang="pt-BR" sz="2539" dirty="0" err="1"/>
-              <a:t>Issues</a:t>
-            </a:r>
-            <a:r>
-              <a:rPr lang="pt-BR" sz="2539" dirty="0"/>
-              <a:t>: Qualidade, </a:t>
-            </a:r>
-            <a:r>
-              <a:rPr lang="pt-BR" sz="2539" dirty="0" err="1"/>
-              <a:t>Deploy</a:t>
-            </a:r>
-            <a:r>
-              <a:rPr lang="pt-BR" sz="2539" dirty="0"/>
-              <a:t>, Execução, Usabilidade)</a:t>
-            </a:r>
-          </a:p>
-          <a:p>
-            <a:pPr marL="479793" indent="-414635">
-              <a:buFont typeface="+mj-lt"/>
-              <a:buAutoNum type="arabicPeriod"/>
-            </a:pPr>
-            <a:r>
-              <a:rPr lang="pt-BR" sz="2539" dirty="0"/>
-              <a:t>Cuidar dos itens Transversais (</a:t>
-            </a:r>
-            <a:r>
-              <a:rPr lang="pt-BR" sz="2539" dirty="0" err="1"/>
-              <a:t>Caching</a:t>
-            </a:r>
-            <a:r>
-              <a:rPr lang="pt-BR" sz="2539" dirty="0"/>
-              <a:t>, Comunicação, Autenticação, </a:t>
-            </a:r>
-            <a:r>
-              <a:rPr lang="pt-BR" sz="2539" dirty="0" err="1"/>
-              <a:t>etc</a:t>
-            </a:r>
-            <a:r>
-              <a:rPr lang="pt-BR" sz="2539" dirty="0"/>
-              <a:t>).</a:t>
-            </a:r>
-          </a:p>
-          <a:p>
-            <a:endParaRPr lang="pt-BR" sz="2539" dirty="0"/>
-          </a:p>
-          <a:p>
-            <a:pPr marL="414635" indent="-414635">
-              <a:buFont typeface="Arial" panose="020B0604020202020204" pitchFamily="34" charset="0"/>
-              <a:buAutoNum type="arabicPeriod"/>
-            </a:pPr>
-            <a:endParaRPr lang="pt-BR" sz="2539" dirty="0"/>
-          </a:p>
-          <a:p>
-            <a:pPr marL="414635" indent="-414635">
-              <a:buFont typeface="Arial" panose="020B0604020202020204" pitchFamily="34" charset="0"/>
-              <a:buAutoNum type="arabicPeriod" startAt="3"/>
-            </a:pPr>
-            <a:endParaRPr lang="pt-BR" sz="2539" dirty="0"/>
-          </a:p>
-        </p:txBody>
-      </p:sp>
-    </p:spTree>
-    <p:extLst>
-      <p:ext uri="{BB962C8B-B14F-4D97-AF65-F5344CB8AC3E}">
-        <p14:creationId xmlns:p14="http://schemas.microsoft.com/office/powerpoint/2010/main" val="3840735795"/>
-      </p:ext>
-    </p:extLst>
-  </p:cSld>
-  <p:clrMapOvr>
-    <a:masterClrMapping/>
-  </p:clrMapOvr>
-</p:sld>
-</file>
-
-<file path=ppt/slides/slide5.xml><?xml version="1.0" encoding="utf-8"?>
 <p:sld xmlns:a="http://schemas.openxmlformats.org/drawingml/2006/main" xmlns:r="http://schemas.openxmlformats.org/officeDocument/2006/relationships" xmlns:p="http://schemas.openxmlformats.org/presentationml/2006/main">
   <p:cSld>
     <p:spTree>
@@ -13426,7 +12922,7 @@
 </p:sld>
 </file>
 
-<file path=ppt/slides/slide6.xml><?xml version="1.0" encoding="utf-8"?>
+<file path=ppt/slides/slide5.xml><?xml version="1.0" encoding="utf-8"?>
 <p:sld xmlns:a="http://schemas.openxmlformats.org/drawingml/2006/main" xmlns:r="http://schemas.openxmlformats.org/officeDocument/2006/relationships" xmlns:p="http://schemas.openxmlformats.org/presentationml/2006/main">
   <p:cSld>
     <p:spTree>
@@ -13726,7 +13222,7 @@
 </p:sld>
 </file>
 
-<file path=ppt/slides/slide7.xml><?xml version="1.0" encoding="utf-8"?>
+<file path=ppt/slides/slide6.xml><?xml version="1.0" encoding="utf-8"?>
 <p:sld xmlns:a="http://schemas.openxmlformats.org/drawingml/2006/main" xmlns:r="http://schemas.openxmlformats.org/officeDocument/2006/relationships" xmlns:p="http://schemas.openxmlformats.org/presentationml/2006/main">
   <p:cSld>
     <p:spTree>
@@ -14311,7 +13807,7 @@
 
 <file path=customXml/item1.xml><?xml version="1.0" encoding="utf-8"?>
 <Control xmlns="http://schemas.microsoft.com/VisualStudio/2011/storyboarding/control">
-  <Id Name="System.Storyboarding.Common.Button" Revision="1" Stencil="System.Storyboarding.Common" StencilVersion="0.1"/>
+  <Id Name="System.Storyboarding.Common.MousePointer" Revision="1" Stencil="System.Storyboarding.Common" StencilVersion="0.1"/>
 </Control>
 </file>
 
@@ -14323,12 +13819,12 @@
 
 <file path=customXml/item3.xml><?xml version="1.0" encoding="utf-8"?>
 <Control xmlns="http://schemas.microsoft.com/VisualStudio/2011/storyboarding/control">
-  <Id Name="System.Storyboarding.Common.MousePointer" Revision="1" Stencil="System.Storyboarding.Common" StencilVersion="0.1"/>
+  <Id Name="System.Storyboarding.Common.Button" Revision="1" Stencil="System.Storyboarding.Common" StencilVersion="0.1"/>
 </Control>
 </file>
 
 <file path=customXml/itemProps1.xml><?xml version="1.0" encoding="utf-8"?>
-<ds:datastoreItem xmlns:ds="http://schemas.openxmlformats.org/officeDocument/2006/customXml" ds:itemID="{2B9E37B2-BF22-4497-90EF-CDCA3440008E}">
+<ds:datastoreItem xmlns:ds="http://schemas.openxmlformats.org/officeDocument/2006/customXml" ds:itemID="{817C9E37-650B-4CCF-B951-DE51C8217DA2}">
   <ds:schemaRefs>
     <ds:schemaRef ds:uri="http://schemas.microsoft.com/VisualStudio/2011/storyboarding/control"/>
   </ds:schemaRefs>
@@ -14344,7 +13840,7 @@
 </file>
 
 <file path=customXml/itemProps3.xml><?xml version="1.0" encoding="utf-8"?>
-<ds:datastoreItem xmlns:ds="http://schemas.openxmlformats.org/officeDocument/2006/customXml" ds:itemID="{817C9E37-650B-4CCF-B951-DE51C8217DA2}">
+<ds:datastoreItem xmlns:ds="http://schemas.openxmlformats.org/officeDocument/2006/customXml" ds:itemID="{2B9E37B2-BF22-4497-90EF-CDCA3440008E}">
   <ds:schemaRefs>
     <ds:schemaRef ds:uri="http://schemas.microsoft.com/VisualStudio/2011/storyboarding/control"/>
   </ds:schemaRefs>
